--- a/docs/diagrams/RecModulePredicateSequenceDiagram.pptx
+++ b/docs/diagrams/RecModulePredicateSequenceDiagram.pptx
@@ -192,7 +192,8 @@
           <a:p>
             <a:fld id="{6F7805A1-8E5A-4F04-B29D-69AA293D755B}" type="datetimeFigureOut">
               <a:rPr lang="en-SG" smtClean="0"/>
-              <a:t>10/4/2019</a:t>
+              <a:pPr/>
+              <a:t>12/4/2019</a:t>
             </a:fld>
             <a:endParaRPr lang="en-SG" dirty="0"/>
           </a:p>
@@ -353,6 +354,7 @@
           <a:p>
             <a:fld id="{E1504AE5-E376-4189-B42D-8DCED7A7B387}" type="slidenum">
               <a:rPr lang="en-SG" smtClean="0"/>
+              <a:pPr/>
               <a:t>‹#›</a:t>
             </a:fld>
             <a:endParaRPr lang="en-SG" dirty="0"/>
@@ -524,6 +526,7 @@
           <a:p>
             <a:fld id="{E1504AE5-E376-4189-B42D-8DCED7A7B387}" type="slidenum">
               <a:rPr lang="en-SG" smtClean="0"/>
+              <a:pPr/>
               <a:t>1</a:t>
             </a:fld>
             <a:endParaRPr lang="en-SG" dirty="0"/>
@@ -720,7 +723,7 @@
             <a:fld id="{E03380C4-F1D8-4404-82A1-426FFD458098}" type="datetimeFigureOut">
               <a:rPr lang="en-SG" smtClean="0"/>
               <a:pPr/>
-              <a:t>10/4/2019</a:t>
+              <a:t>12/4/2019</a:t>
             </a:fld>
             <a:endParaRPr lang="en-SG" dirty="0"/>
           </a:p>
@@ -887,7 +890,7 @@
             <a:fld id="{E03380C4-F1D8-4404-82A1-426FFD458098}" type="datetimeFigureOut">
               <a:rPr lang="en-SG" smtClean="0"/>
               <a:pPr/>
-              <a:t>10/4/2019</a:t>
+              <a:t>12/4/2019</a:t>
             </a:fld>
             <a:endParaRPr lang="en-SG" dirty="0"/>
           </a:p>
@@ -1064,7 +1067,7 @@
             <a:fld id="{E03380C4-F1D8-4404-82A1-426FFD458098}" type="datetimeFigureOut">
               <a:rPr lang="en-SG" smtClean="0"/>
               <a:pPr/>
-              <a:t>10/4/2019</a:t>
+              <a:t>12/4/2019</a:t>
             </a:fld>
             <a:endParaRPr lang="en-SG" dirty="0"/>
           </a:p>
@@ -1231,7 +1234,7 @@
             <a:fld id="{E03380C4-F1D8-4404-82A1-426FFD458098}" type="datetimeFigureOut">
               <a:rPr lang="en-SG" smtClean="0"/>
               <a:pPr/>
-              <a:t>10/4/2019</a:t>
+              <a:t>12/4/2019</a:t>
             </a:fld>
             <a:endParaRPr lang="en-SG" dirty="0"/>
           </a:p>
@@ -1474,7 +1477,7 @@
             <a:fld id="{E03380C4-F1D8-4404-82A1-426FFD458098}" type="datetimeFigureOut">
               <a:rPr lang="en-SG" smtClean="0"/>
               <a:pPr/>
-              <a:t>10/4/2019</a:t>
+              <a:t>12/4/2019</a:t>
             </a:fld>
             <a:endParaRPr lang="en-SG" dirty="0"/>
           </a:p>
@@ -1759,7 +1762,7 @@
             <a:fld id="{E03380C4-F1D8-4404-82A1-426FFD458098}" type="datetimeFigureOut">
               <a:rPr lang="en-SG" smtClean="0"/>
               <a:pPr/>
-              <a:t>10/4/2019</a:t>
+              <a:t>12/4/2019</a:t>
             </a:fld>
             <a:endParaRPr lang="en-SG" dirty="0"/>
           </a:p>
@@ -2178,7 +2181,7 @@
             <a:fld id="{E03380C4-F1D8-4404-82A1-426FFD458098}" type="datetimeFigureOut">
               <a:rPr lang="en-SG" smtClean="0"/>
               <a:pPr/>
-              <a:t>10/4/2019</a:t>
+              <a:t>12/4/2019</a:t>
             </a:fld>
             <a:endParaRPr lang="en-SG" dirty="0"/>
           </a:p>
@@ -2293,7 +2296,7 @@
             <a:fld id="{E03380C4-F1D8-4404-82A1-426FFD458098}" type="datetimeFigureOut">
               <a:rPr lang="en-SG" smtClean="0"/>
               <a:pPr/>
-              <a:t>10/4/2019</a:t>
+              <a:t>12/4/2019</a:t>
             </a:fld>
             <a:endParaRPr lang="en-SG" dirty="0"/>
           </a:p>
@@ -2385,7 +2388,7 @@
             <a:fld id="{E03380C4-F1D8-4404-82A1-426FFD458098}" type="datetimeFigureOut">
               <a:rPr lang="en-SG" smtClean="0"/>
               <a:pPr/>
-              <a:t>10/4/2019</a:t>
+              <a:t>12/4/2019</a:t>
             </a:fld>
             <a:endParaRPr lang="en-SG" dirty="0"/>
           </a:p>
@@ -2659,7 +2662,7 @@
             <a:fld id="{E03380C4-F1D8-4404-82A1-426FFD458098}" type="datetimeFigureOut">
               <a:rPr lang="en-SG" smtClean="0"/>
               <a:pPr/>
-              <a:t>10/4/2019</a:t>
+              <a:t>12/4/2019</a:t>
             </a:fld>
             <a:endParaRPr lang="en-SG" dirty="0"/>
           </a:p>
@@ -2909,7 +2912,7 @@
             <a:fld id="{E03380C4-F1D8-4404-82A1-426FFD458098}" type="datetimeFigureOut">
               <a:rPr lang="en-SG" smtClean="0"/>
               <a:pPr/>
-              <a:t>10/4/2019</a:t>
+              <a:t>12/4/2019</a:t>
             </a:fld>
             <a:endParaRPr lang="en-SG" dirty="0"/>
           </a:p>
@@ -3119,7 +3122,7 @@
             <a:fld id="{E03380C4-F1D8-4404-82A1-426FFD458098}" type="datetimeFigureOut">
               <a:rPr lang="en-SG" smtClean="0"/>
               <a:pPr/>
-              <a:t>10/4/2019</a:t>
+              <a:t>12/4/2019</a:t>
             </a:fld>
             <a:endParaRPr lang="en-SG" dirty="0"/>
           </a:p>
@@ -3498,8 +3501,8 @@
         </p:nvSpPr>
         <p:spPr>
           <a:xfrm>
-            <a:off x="0" y="188640"/>
-            <a:ext cx="8460432" cy="9793088"/>
+            <a:off x="0" y="332656"/>
+            <a:ext cx="8604448" cy="10513168"/>
           </a:xfrm>
           <a:prstGeom prst="roundRect">
             <a:avLst>
@@ -3548,7 +3551,7 @@
         </p:nvGrpSpPr>
         <p:grpSpPr>
           <a:xfrm>
-            <a:off x="16446" y="4567060"/>
+            <a:off x="16446" y="3854945"/>
             <a:ext cx="1123992" cy="726183"/>
             <a:chOff x="-131973" y="4567060"/>
             <a:chExt cx="1123992" cy="726183"/>
@@ -3636,7 +3639,7 @@
         </p:nvGrpSpPr>
         <p:grpSpPr>
           <a:xfrm>
-            <a:off x="161040" y="6373008"/>
+            <a:off x="161040" y="7310398"/>
             <a:ext cx="1123992" cy="726183"/>
             <a:chOff x="91190" y="6447233"/>
             <a:chExt cx="1123992" cy="726183"/>
@@ -3724,7 +3727,7 @@
         </p:nvGrpSpPr>
         <p:grpSpPr>
           <a:xfrm>
-            <a:off x="304478" y="7525136"/>
+            <a:off x="304478" y="8461820"/>
             <a:ext cx="1123992" cy="726183"/>
             <a:chOff x="304478" y="7592764"/>
             <a:chExt cx="1123992" cy="726183"/>
@@ -3812,7 +3815,7 @@
         </p:nvSpPr>
         <p:spPr>
           <a:xfrm>
-            <a:off x="539552" y="7681852"/>
+            <a:off x="539552" y="8618536"/>
             <a:ext cx="7488832" cy="1075740"/>
           </a:xfrm>
           <a:prstGeom prst="rect">
@@ -3858,7 +3861,7 @@
         </p:nvSpPr>
         <p:spPr>
           <a:xfrm>
-            <a:off x="395536" y="6529724"/>
+            <a:off x="395536" y="7466408"/>
             <a:ext cx="7776864" cy="2371884"/>
           </a:xfrm>
           <a:prstGeom prst="rect">
@@ -3904,8 +3907,8 @@
         </p:nvSpPr>
         <p:spPr>
           <a:xfrm>
-            <a:off x="251520" y="4725144"/>
-            <a:ext cx="8064896" cy="4752528"/>
+            <a:off x="251520" y="4005064"/>
+            <a:ext cx="8064896" cy="6408712"/>
           </a:xfrm>
           <a:prstGeom prst="rect">
             <a:avLst/>
@@ -3999,7 +4002,7 @@
         </p:nvSpPr>
         <p:spPr>
           <a:xfrm>
-            <a:off x="4076452" y="1725421"/>
+            <a:off x="4076452" y="5445224"/>
             <a:ext cx="1224136" cy="335427"/>
           </a:xfrm>
           <a:prstGeom prst="rect">
@@ -4178,7 +4181,7 @@
         <p:spPr>
           <a:xfrm>
             <a:off x="1390948" y="1124744"/>
-            <a:ext cx="12700" cy="8568952"/>
+            <a:ext cx="12700" cy="9577064"/>
           </a:xfrm>
           <a:prstGeom prst="line">
             <a:avLst/>
@@ -4215,7 +4218,7 @@
         <p:spPr>
           <a:xfrm>
             <a:off x="1321912" y="1484784"/>
-            <a:ext cx="153744" cy="7848872"/>
+            <a:ext cx="153744" cy="8784976"/>
           </a:xfrm>
           <a:prstGeom prst="rect">
             <a:avLst/>
@@ -4308,7 +4311,7 @@
         <p:spPr>
           <a:xfrm>
             <a:off x="3126544" y="1268760"/>
-            <a:ext cx="5296" cy="8424936"/>
+            <a:ext cx="5296" cy="8712968"/>
           </a:xfrm>
           <a:prstGeom prst="line">
             <a:avLst/>
@@ -4346,7 +4349,7 @@
         </p:nvCxnSpPr>
         <p:spPr>
           <a:xfrm>
-            <a:off x="1456200" y="2397520"/>
+            <a:off x="1456200" y="6033090"/>
             <a:ext cx="3158624" cy="23368"/>
           </a:xfrm>
           <a:prstGeom prst="straightConnector1">
@@ -4436,7 +4439,7 @@
         </p:nvCxnSpPr>
         <p:spPr>
           <a:xfrm>
-            <a:off x="107504" y="9325728"/>
+            <a:off x="107504" y="10262412"/>
             <a:ext cx="1225622" cy="0"/>
           </a:xfrm>
           <a:prstGeom prst="straightConnector1">
@@ -4474,7 +4477,7 @@
         </p:nvSpPr>
         <p:spPr>
           <a:xfrm>
-            <a:off x="-28004" y="9136682"/>
+            <a:off x="-28004" y="10073366"/>
             <a:ext cx="1296144" cy="184666"/>
           </a:xfrm>
           <a:prstGeom prst="rect">
@@ -4620,7 +4623,7 @@
         </p:nvSpPr>
         <p:spPr>
           <a:xfrm>
-            <a:off x="1547664" y="1431826"/>
+            <a:off x="1403648" y="1431826"/>
             <a:ext cx="1440160" cy="184666"/>
           </a:xfrm>
           <a:prstGeom prst="rect">
@@ -4651,7 +4654,7 @@
                   <a:srgbClr val="7030A0"/>
                 </a:solidFill>
               </a:rPr>
-              <a:t>getModuleInfoCode()</a:t>
+              <a:t>getModuleInfo()</a:t>
             </a:r>
             <a:endParaRPr lang="en-US" sz="1200" dirty="0">
               <a:solidFill>
@@ -4669,7 +4672,7 @@
         </p:nvSpPr>
         <p:spPr>
           <a:xfrm>
-            <a:off x="1835696" y="1801594"/>
+            <a:off x="1547664" y="1801594"/>
             <a:ext cx="792088" cy="184666"/>
           </a:xfrm>
           <a:prstGeom prst="rect">
@@ -4700,7 +4703,7 @@
                   <a:srgbClr val="7030A0"/>
                 </a:solidFill>
               </a:rPr>
-              <a:t>codeToTest</a:t>
+              <a:t>mi</a:t>
             </a:r>
             <a:endParaRPr lang="en-US" sz="1200" dirty="0">
               <a:solidFill>
@@ -4718,7 +4721,7 @@
         </p:nvSpPr>
         <p:spPr>
           <a:xfrm>
-            <a:off x="4618239" y="2420482"/>
+            <a:off x="4618239" y="6054774"/>
             <a:ext cx="129933" cy="398562"/>
           </a:xfrm>
           <a:prstGeom prst="rect">
@@ -4765,7 +4768,7 @@
         </p:nvSpPr>
         <p:spPr>
           <a:xfrm>
-            <a:off x="1593056" y="2219738"/>
+            <a:off x="1593056" y="5847468"/>
             <a:ext cx="1440160" cy="184666"/>
           </a:xfrm>
           <a:prstGeom prst="rect">
@@ -4822,7 +4825,7 @@
         </p:nvCxnSpPr>
         <p:spPr>
           <a:xfrm>
-            <a:off x="1475656" y="2806328"/>
+            <a:off x="1475656" y="6430566"/>
             <a:ext cx="3165312" cy="9729"/>
           </a:xfrm>
           <a:prstGeom prst="straightConnector1">
@@ -4860,7 +4863,7 @@
         </p:nvSpPr>
         <p:spPr>
           <a:xfrm>
-            <a:off x="1763688" y="2628012"/>
+            <a:off x="1763688" y="6240534"/>
             <a:ext cx="1224136" cy="184666"/>
           </a:xfrm>
           <a:prstGeom prst="rect">
@@ -4909,7 +4912,7 @@
         </p:nvSpPr>
         <p:spPr>
           <a:xfrm>
-            <a:off x="5301808" y="2944400"/>
+            <a:off x="5301808" y="2142584"/>
             <a:ext cx="1862480" cy="527261"/>
           </a:xfrm>
           <a:prstGeom prst="rect">
@@ -4952,11 +4955,6 @@
               </a:rPr>
               <a:t>emp:EligibleModule</a:t>
             </a:r>
-            <a:endParaRPr lang="en-US" sz="1600" dirty="0" smtClean="0">
-              <a:solidFill>
-                <a:schemeClr val="bg1"/>
-              </a:solidFill>
-            </a:endParaRPr>
           </a:p>
           <a:p>
             <a:pPr algn="ctr"/>
@@ -4992,8 +4990,8 @@
         </p:nvCxnSpPr>
         <p:spPr>
           <a:xfrm>
-            <a:off x="6208728" y="3717032"/>
-            <a:ext cx="19456" cy="5976664"/>
+            <a:off x="6208728" y="2924944"/>
+            <a:ext cx="19456" cy="7776864"/>
           </a:xfrm>
           <a:prstGeom prst="line">
             <a:avLst/>
@@ -5029,7 +5027,7 @@
         </p:nvSpPr>
         <p:spPr>
           <a:xfrm>
-            <a:off x="6136720" y="3491280"/>
+            <a:off x="6136720" y="2689464"/>
             <a:ext cx="144016" cy="216024"/>
           </a:xfrm>
           <a:prstGeom prst="rect">
@@ -5078,7 +5076,7 @@
         </p:nvCxnSpPr>
         <p:spPr>
           <a:xfrm>
-            <a:off x="1475656" y="3212976"/>
+            <a:off x="1475656" y="2411160"/>
             <a:ext cx="3816424" cy="0"/>
           </a:xfrm>
           <a:prstGeom prst="straightConnector1">
@@ -5114,7 +5112,7 @@
         </p:nvSpPr>
         <p:spPr>
           <a:xfrm>
-            <a:off x="942008" y="3022352"/>
+            <a:off x="942008" y="2220536"/>
             <a:ext cx="2395314" cy="184666"/>
           </a:xfrm>
           <a:prstGeom prst="rect">
@@ -5171,7 +5169,7 @@
         </p:nvCxnSpPr>
         <p:spPr>
           <a:xfrm flipV="1">
-            <a:off x="1476596" y="3707304"/>
+            <a:off x="1476596" y="2905488"/>
             <a:ext cx="4719432" cy="9728"/>
           </a:xfrm>
           <a:prstGeom prst="straightConnector1">
@@ -5209,7 +5207,7 @@
         </p:nvSpPr>
         <p:spPr>
           <a:xfrm>
-            <a:off x="2195736" y="3523436"/>
+            <a:off x="2195736" y="2721620"/>
             <a:ext cx="288032" cy="184666"/>
           </a:xfrm>
           <a:prstGeom prst="rect">
@@ -5258,7 +5256,7 @@
         </p:nvSpPr>
         <p:spPr>
           <a:xfrm>
-            <a:off x="6146448" y="4110558"/>
+            <a:off x="6146448" y="3329844"/>
             <a:ext cx="129933" cy="398562"/>
           </a:xfrm>
           <a:prstGeom prst="rect">
@@ -5307,7 +5305,7 @@
         </p:nvCxnSpPr>
         <p:spPr>
           <a:xfrm flipV="1">
-            <a:off x="1475656" y="4139352"/>
+            <a:off x="1475656" y="3337536"/>
             <a:ext cx="4686336" cy="9728"/>
           </a:xfrm>
           <a:prstGeom prst="straightConnector1">
@@ -5343,7 +5341,7 @@
         </p:nvSpPr>
         <p:spPr>
           <a:xfrm>
-            <a:off x="1403648" y="3964414"/>
+            <a:off x="1619672" y="3162598"/>
             <a:ext cx="1224136" cy="184666"/>
           </a:xfrm>
           <a:prstGeom prst="rect">
@@ -5374,7 +5372,7 @@
                   <a:srgbClr val="7030A0"/>
                 </a:solidFill>
               </a:rPr>
-              <a:t>test(rm)</a:t>
+              <a:t>test(moduleInfo)</a:t>
             </a:r>
             <a:endParaRPr lang="en-US" sz="1200" dirty="0">
               <a:solidFill>
@@ -5392,7 +5390,7 @@
         </p:nvSpPr>
         <p:spPr>
           <a:xfrm>
-            <a:off x="1547664" y="4332008"/>
+            <a:off x="1547664" y="3544260"/>
             <a:ext cx="1298078" cy="184666"/>
           </a:xfrm>
           <a:prstGeom prst="rect">
@@ -5449,7 +5447,7 @@
         </p:nvCxnSpPr>
         <p:spPr>
           <a:xfrm flipV="1">
-            <a:off x="1475656" y="4509120"/>
+            <a:off x="1475656" y="3721372"/>
             <a:ext cx="4719432" cy="9728"/>
           </a:xfrm>
           <a:prstGeom prst="straightConnector1">
@@ -5495,7 +5493,7 @@
         </p:nvCxnSpPr>
         <p:spPr>
           <a:xfrm>
-            <a:off x="107504" y="5275808"/>
+            <a:off x="107504" y="4633900"/>
             <a:ext cx="1224136" cy="0"/>
           </a:xfrm>
           <a:prstGeom prst="straightConnector1">
@@ -5533,7 +5531,7 @@
         </p:nvSpPr>
         <p:spPr>
           <a:xfrm>
-            <a:off x="520502" y="5091534"/>
+            <a:off x="520502" y="4437112"/>
             <a:ext cx="542502" cy="184666"/>
           </a:xfrm>
           <a:prstGeom prst="rect">
@@ -5582,7 +5580,7 @@
         </p:nvSpPr>
         <p:spPr>
           <a:xfrm>
-            <a:off x="1403648" y="4756502"/>
+            <a:off x="1403648" y="4036422"/>
             <a:ext cx="1298078" cy="184666"/>
           </a:xfrm>
           <a:prstGeom prst="rect">
@@ -5631,7 +5629,7 @@
         </p:nvSpPr>
         <p:spPr>
           <a:xfrm>
-            <a:off x="7145238" y="4077072"/>
+            <a:off x="7145238" y="5013176"/>
             <a:ext cx="864096" cy="335427"/>
           </a:xfrm>
           <a:prstGeom prst="rect">
@@ -5698,8 +5696,8 @@
         </p:nvCxnSpPr>
         <p:spPr>
           <a:xfrm>
-            <a:off x="7570936" y="4424412"/>
-            <a:ext cx="25400" cy="3469084"/>
+            <a:off x="7570936" y="5360516"/>
+            <a:ext cx="25400" cy="3397076"/>
           </a:xfrm>
           <a:prstGeom prst="line">
             <a:avLst/>
@@ -5737,7 +5735,7 @@
         </p:nvCxnSpPr>
         <p:spPr>
           <a:xfrm>
-            <a:off x="1475656" y="5881652"/>
+            <a:off x="1475656" y="6813376"/>
             <a:ext cx="6048672" cy="0"/>
           </a:xfrm>
           <a:prstGeom prst="straightConnector1">
@@ -5773,7 +5771,7 @@
         </p:nvSpPr>
         <p:spPr>
           <a:xfrm>
-            <a:off x="7524328" y="5881652"/>
+            <a:off x="7524328" y="6817756"/>
             <a:ext cx="129933" cy="398562"/>
           </a:xfrm>
           <a:prstGeom prst="rect">
@@ -5820,7 +5818,7 @@
         </p:nvSpPr>
         <p:spPr>
           <a:xfrm>
-            <a:off x="1431206" y="5697378"/>
+            <a:off x="1417138" y="6618454"/>
             <a:ext cx="2304256" cy="184666"/>
           </a:xfrm>
           <a:prstGeom prst="rect">
@@ -5877,7 +5875,7 @@
         </p:nvCxnSpPr>
         <p:spPr>
           <a:xfrm>
-            <a:off x="1477814" y="6269250"/>
+            <a:off x="1477814" y="7209270"/>
             <a:ext cx="6087584" cy="6350"/>
           </a:xfrm>
           <a:prstGeom prst="straightConnector1">
@@ -5915,7 +5913,7 @@
         </p:nvSpPr>
         <p:spPr>
           <a:xfrm>
-            <a:off x="1689746" y="6091326"/>
+            <a:off x="1689746" y="7029400"/>
             <a:ext cx="1298078" cy="184666"/>
           </a:xfrm>
           <a:prstGeom prst="rect">
@@ -5966,7 +5964,7 @@
         </p:nvCxnSpPr>
         <p:spPr>
           <a:xfrm>
-            <a:off x="1475656" y="7105788"/>
+            <a:off x="1475656" y="8042472"/>
             <a:ext cx="6055022" cy="0"/>
           </a:xfrm>
           <a:prstGeom prst="straightConnector1">
@@ -6002,7 +6000,7 @@
         </p:nvSpPr>
         <p:spPr>
           <a:xfrm>
-            <a:off x="7530678" y="7105788"/>
+            <a:off x="7530678" y="8042472"/>
             <a:ext cx="129933" cy="398562"/>
           </a:xfrm>
           <a:prstGeom prst="rect">
@@ -6057,7 +6055,7 @@
         </p:nvCxnSpPr>
         <p:spPr>
           <a:xfrm>
-            <a:off x="1484164" y="7499736"/>
+            <a:off x="1484164" y="8436420"/>
             <a:ext cx="6087584" cy="6350"/>
           </a:xfrm>
           <a:prstGeom prst="straightConnector1">
@@ -6095,7 +6093,7 @@
         </p:nvSpPr>
         <p:spPr>
           <a:xfrm>
-            <a:off x="1016050" y="6921122"/>
+            <a:off x="957532" y="7857806"/>
             <a:ext cx="4464496" cy="184666"/>
           </a:xfrm>
           <a:prstGeom prst="rect">
@@ -6144,7 +6142,7 @@
         </p:nvSpPr>
         <p:spPr>
           <a:xfrm>
-            <a:off x="1325290" y="6548774"/>
+            <a:off x="1325290" y="7485458"/>
             <a:ext cx="2016224" cy="184666"/>
           </a:xfrm>
           <a:prstGeom prst="rect">
@@ -6193,7 +6191,7 @@
         </p:nvSpPr>
         <p:spPr>
           <a:xfrm>
-            <a:off x="1645072" y="7321812"/>
+            <a:off x="1581766" y="8258496"/>
             <a:ext cx="1298078" cy="184666"/>
           </a:xfrm>
           <a:prstGeom prst="rect">
@@ -6242,7 +6240,7 @@
         </p:nvSpPr>
         <p:spPr>
           <a:xfrm>
-            <a:off x="3072532" y="8219394"/>
+            <a:off x="3072532" y="9156078"/>
             <a:ext cx="129933" cy="398562"/>
           </a:xfrm>
           <a:prstGeom prst="rect">
@@ -6289,7 +6287,7 @@
         </p:nvSpPr>
         <p:spPr>
           <a:xfrm>
-            <a:off x="1534964" y="7715760"/>
+            <a:off x="1534964" y="8652444"/>
             <a:ext cx="1298078" cy="184666"/>
           </a:xfrm>
           <a:prstGeom prst="rect">
@@ -6340,7 +6338,7 @@
         </p:nvCxnSpPr>
         <p:spPr>
           <a:xfrm>
-            <a:off x="1437556" y="8213466"/>
+            <a:off x="1437556" y="9150150"/>
             <a:ext cx="1641326" cy="0"/>
           </a:xfrm>
           <a:prstGeom prst="straightConnector1">
@@ -6376,7 +6374,7 @@
         </p:nvSpPr>
         <p:spPr>
           <a:xfrm>
-            <a:off x="1253282" y="8026642"/>
+            <a:off x="1253282" y="8963326"/>
             <a:ext cx="1872208" cy="169277"/>
           </a:xfrm>
           <a:prstGeom prst="rect">
@@ -6433,7 +6431,7 @@
         </p:nvCxnSpPr>
         <p:spPr>
           <a:xfrm>
-            <a:off x="1475656" y="8605256"/>
+            <a:off x="1475656" y="9541940"/>
             <a:ext cx="1581136" cy="9729"/>
           </a:xfrm>
           <a:prstGeom prst="straightConnector1">
@@ -6471,7 +6469,7 @@
         </p:nvSpPr>
         <p:spPr>
           <a:xfrm>
-            <a:off x="6062960" y="9621688"/>
+            <a:off x="6063066" y="10608698"/>
             <a:ext cx="216024" cy="215444"/>
           </a:xfrm>
           <a:prstGeom prst="rect">
@@ -6520,8 +6518,8 @@
         </p:nvCxnSpPr>
         <p:spPr>
           <a:xfrm>
-            <a:off x="4677916" y="2060848"/>
-            <a:ext cx="0" cy="1008112"/>
+            <a:off x="4680846" y="5805264"/>
+            <a:ext cx="0" cy="936104"/>
           </a:xfrm>
           <a:prstGeom prst="line">
             <a:avLst/>
@@ -6557,7 +6555,7 @@
         </p:nvCxnSpPr>
         <p:spPr>
           <a:xfrm>
-            <a:off x="251520" y="5385916"/>
+            <a:off x="251520" y="4797152"/>
             <a:ext cx="8064896" cy="0"/>
           </a:xfrm>
           <a:prstGeom prst="line">
@@ -6593,7 +6591,7 @@
         </p:nvSpPr>
         <p:spPr>
           <a:xfrm>
-            <a:off x="1435622" y="5413474"/>
+            <a:off x="1435622" y="4828510"/>
             <a:ext cx="433982" cy="184666"/>
           </a:xfrm>
           <a:prstGeom prst="rect">
@@ -6631,6 +6629,243 @@
                 <a:srgbClr val="FF0000"/>
               </a:solidFill>
             </a:endParaRPr>
+          </a:p>
+        </p:txBody>
+      </p:sp>
+      <p:cxnSp>
+        <p:nvCxnSpPr>
+          <p:cNvPr id="79" name="Straight Arrow Connector 78"/>
+          <p:cNvCxnSpPr>
+            <a:cxnSpLocks/>
+          </p:cNvCxnSpPr>
+          <p:nvPr/>
+        </p:nvCxnSpPr>
+        <p:spPr>
+          <a:xfrm>
+            <a:off x="1417716" y="5229200"/>
+            <a:ext cx="1656184" cy="0"/>
+          </a:xfrm>
+          <a:prstGeom prst="straightConnector1">
+            <a:avLst/>
+          </a:prstGeom>
+          <a:ln w="19050">
+            <a:solidFill>
+              <a:srgbClr val="7030A0"/>
+            </a:solidFill>
+            <a:tailEnd type="arrow"/>
+          </a:ln>
+        </p:spPr>
+        <p:style>
+          <a:lnRef idx="1">
+            <a:schemeClr val="accent1"/>
+          </a:lnRef>
+          <a:fillRef idx="0">
+            <a:schemeClr val="accent1"/>
+          </a:fillRef>
+          <a:effectRef idx="0">
+            <a:schemeClr val="accent1"/>
+          </a:effectRef>
+          <a:fontRef idx="minor">
+            <a:schemeClr val="tx1"/>
+          </a:fontRef>
+        </p:style>
+      </p:cxnSp>
+      <p:sp>
+        <p:nvSpPr>
+          <p:cNvPr id="104" name="TextBox 103"/>
+          <p:cNvSpPr txBox="1"/>
+          <p:nvPr/>
+        </p:nvSpPr>
+        <p:spPr>
+          <a:xfrm>
+            <a:off x="1187624" y="5041296"/>
+            <a:ext cx="1440160" cy="184666"/>
+          </a:xfrm>
+          <a:prstGeom prst="rect">
+            <a:avLst/>
+          </a:prstGeom>
+          <a:noFill/>
+        </p:spPr>
+        <p:txBody>
+          <a:bodyPr wrap="square" lIns="0" tIns="0" rIns="0" bIns="0" rtlCol="0">
+            <a:spAutoFit/>
+          </a:bodyPr>
+          <a:lstStyle>
+            <a:defPPr>
+              <a:defRPr lang="en-US"/>
+            </a:defPPr>
+            <a:lvl1pPr algn="r">
+              <a:defRPr sz="1400">
+                <a:solidFill>
+                  <a:srgbClr val="0070C0"/>
+                </a:solidFill>
+              </a:defRPr>
+            </a:lvl1pPr>
+          </a:lstStyle>
+          <a:p>
+            <a:r>
+              <a:rPr lang="en-US" sz="1200" dirty="0" smtClean="0">
+                <a:solidFill>
+                  <a:srgbClr val="7030A0"/>
+                </a:solidFill>
+              </a:rPr>
+              <a:t>getCode</a:t>
+            </a:r>
+            <a:r>
+              <a:rPr lang="en-US" sz="1200" dirty="0" smtClean="0">
+                <a:solidFill>
+                  <a:srgbClr val="7030A0"/>
+                </a:solidFill>
+              </a:rPr>
+              <a:t>()</a:t>
+            </a:r>
+            <a:endParaRPr lang="en-US" sz="1200" dirty="0">
+              <a:solidFill>
+                <a:srgbClr val="7030A0"/>
+              </a:solidFill>
+            </a:endParaRPr>
+          </a:p>
+        </p:txBody>
+      </p:sp>
+      <p:cxnSp>
+        <p:nvCxnSpPr>
+          <p:cNvPr id="105" name="Straight Arrow Connector 104">
+            <a:extLst>
+              <a:ext uri="{FF2B5EF4-FFF2-40B4-BE49-F238E27FC236}">
+                <a16:creationId xmlns:a16="http://schemas.microsoft.com/office/drawing/2014/main" xmlns="" id="{7C9F21BC-13A9-471F-825A-2621FD36355F}"/>
+              </a:ext>
+            </a:extLst>
+          </p:cNvPr>
+          <p:cNvCxnSpPr>
+            <a:cxnSpLocks/>
+          </p:cNvCxnSpPr>
+          <p:nvPr/>
+        </p:nvCxnSpPr>
+        <p:spPr>
+          <a:xfrm flipV="1">
+            <a:off x="1475656" y="5624410"/>
+            <a:ext cx="1584176" cy="7034"/>
+          </a:xfrm>
+          <a:prstGeom prst="straightConnector1">
+            <a:avLst/>
+          </a:prstGeom>
+          <a:ln w="19050">
+            <a:solidFill>
+              <a:srgbClr val="7030A0"/>
+            </a:solidFill>
+            <a:prstDash val="sysDash"/>
+            <a:headEnd type="arrow" w="med" len="med"/>
+            <a:tailEnd type="none" w="med" len="med"/>
+          </a:ln>
+        </p:spPr>
+        <p:style>
+          <a:lnRef idx="1">
+            <a:schemeClr val="accent1"/>
+          </a:lnRef>
+          <a:fillRef idx="0">
+            <a:schemeClr val="accent1"/>
+          </a:fillRef>
+          <a:effectRef idx="0">
+            <a:schemeClr val="accent1"/>
+          </a:effectRef>
+          <a:fontRef idx="minor">
+            <a:schemeClr val="tx1"/>
+          </a:fontRef>
+        </p:style>
+      </p:cxnSp>
+      <p:sp>
+        <p:nvSpPr>
+          <p:cNvPr id="107" name="TextBox 106"/>
+          <p:cNvSpPr txBox="1"/>
+          <p:nvPr/>
+        </p:nvSpPr>
+        <p:spPr>
+          <a:xfrm>
+            <a:off x="1835696" y="5445224"/>
+            <a:ext cx="792088" cy="184666"/>
+          </a:xfrm>
+          <a:prstGeom prst="rect">
+            <a:avLst/>
+          </a:prstGeom>
+          <a:noFill/>
+        </p:spPr>
+        <p:txBody>
+          <a:bodyPr wrap="square" lIns="0" tIns="0" rIns="0" bIns="0" rtlCol="0">
+            <a:spAutoFit/>
+          </a:bodyPr>
+          <a:lstStyle>
+            <a:defPPr>
+              <a:defRPr lang="en-US"/>
+            </a:defPPr>
+            <a:lvl1pPr algn="r">
+              <a:defRPr sz="1400">
+                <a:solidFill>
+                  <a:srgbClr val="0070C0"/>
+                </a:solidFill>
+              </a:defRPr>
+            </a:lvl1pPr>
+          </a:lstStyle>
+          <a:p>
+            <a:r>
+              <a:rPr lang="en-US" sz="1200" dirty="0" smtClean="0">
+                <a:solidFill>
+                  <a:srgbClr val="7030A0"/>
+                </a:solidFill>
+              </a:rPr>
+              <a:t>codeToTest</a:t>
+            </a:r>
+            <a:endParaRPr lang="en-US" sz="1200" dirty="0">
+              <a:solidFill>
+                <a:srgbClr val="7030A0"/>
+              </a:solidFill>
+            </a:endParaRPr>
+          </a:p>
+        </p:txBody>
+      </p:sp>
+      <p:sp>
+        <p:nvSpPr>
+          <p:cNvPr id="95" name="Rectangle 94"/>
+          <p:cNvSpPr/>
+          <p:nvPr/>
+        </p:nvSpPr>
+        <p:spPr>
+          <a:xfrm>
+            <a:off x="3073915" y="5236218"/>
+            <a:ext cx="129933" cy="398562"/>
+          </a:xfrm>
+          <a:prstGeom prst="rect">
+            <a:avLst/>
+          </a:prstGeom>
+          <a:solidFill>
+            <a:srgbClr val="7030A0"/>
+          </a:solidFill>
+          <a:ln>
+            <a:solidFill>
+              <a:srgbClr val="7030A0"/>
+            </a:solidFill>
+          </a:ln>
+          <a:effectLst/>
+        </p:spPr>
+        <p:style>
+          <a:lnRef idx="1">
+            <a:schemeClr val="accent3"/>
+          </a:lnRef>
+          <a:fillRef idx="2">
+            <a:schemeClr val="accent3"/>
+          </a:fillRef>
+          <a:effectRef idx="1">
+            <a:schemeClr val="accent3"/>
+          </a:effectRef>
+          <a:fontRef idx="minor">
+            <a:schemeClr val="dk1"/>
+          </a:fontRef>
+        </p:style>
+        <p:txBody>
+          <a:bodyPr rtlCol="0" anchor="ctr"/>
+          <a:lstStyle/>
+          <a:p>
+            <a:pPr algn="ctr"/>
+            <a:endParaRPr lang="en-SG" sz="1400" dirty="0"/>
           </a:p>
         </p:txBody>
       </p:sp>

--- a/docs/diagrams/RecModulePredicateSequenceDiagram.pptx
+++ b/docs/diagrams/RecModulePredicateSequenceDiagram.pptx
@@ -193,7 +193,7 @@
             <a:fld id="{6F7805A1-8E5A-4F04-B29D-69AA293D755B}" type="datetimeFigureOut">
               <a:rPr lang="en-SG" smtClean="0"/>
               <a:pPr/>
-              <a:t>12/4/2019</a:t>
+              <a:t>15/4/2019</a:t>
             </a:fld>
             <a:endParaRPr lang="en-SG" dirty="0"/>
           </a:p>
@@ -723,7 +723,7 @@
             <a:fld id="{E03380C4-F1D8-4404-82A1-426FFD458098}" type="datetimeFigureOut">
               <a:rPr lang="en-SG" smtClean="0"/>
               <a:pPr/>
-              <a:t>12/4/2019</a:t>
+              <a:t>15/4/2019</a:t>
             </a:fld>
             <a:endParaRPr lang="en-SG" dirty="0"/>
           </a:p>
@@ -890,7 +890,7 @@
             <a:fld id="{E03380C4-F1D8-4404-82A1-426FFD458098}" type="datetimeFigureOut">
               <a:rPr lang="en-SG" smtClean="0"/>
               <a:pPr/>
-              <a:t>12/4/2019</a:t>
+              <a:t>15/4/2019</a:t>
             </a:fld>
             <a:endParaRPr lang="en-SG" dirty="0"/>
           </a:p>
@@ -1067,7 +1067,7 @@
             <a:fld id="{E03380C4-F1D8-4404-82A1-426FFD458098}" type="datetimeFigureOut">
               <a:rPr lang="en-SG" smtClean="0"/>
               <a:pPr/>
-              <a:t>12/4/2019</a:t>
+              <a:t>15/4/2019</a:t>
             </a:fld>
             <a:endParaRPr lang="en-SG" dirty="0"/>
           </a:p>
@@ -1234,7 +1234,7 @@
             <a:fld id="{E03380C4-F1D8-4404-82A1-426FFD458098}" type="datetimeFigureOut">
               <a:rPr lang="en-SG" smtClean="0"/>
               <a:pPr/>
-              <a:t>12/4/2019</a:t>
+              <a:t>15/4/2019</a:t>
             </a:fld>
             <a:endParaRPr lang="en-SG" dirty="0"/>
           </a:p>
@@ -1477,7 +1477,7 @@
             <a:fld id="{E03380C4-F1D8-4404-82A1-426FFD458098}" type="datetimeFigureOut">
               <a:rPr lang="en-SG" smtClean="0"/>
               <a:pPr/>
-              <a:t>12/4/2019</a:t>
+              <a:t>15/4/2019</a:t>
             </a:fld>
             <a:endParaRPr lang="en-SG" dirty="0"/>
           </a:p>
@@ -1762,7 +1762,7 @@
             <a:fld id="{E03380C4-F1D8-4404-82A1-426FFD458098}" type="datetimeFigureOut">
               <a:rPr lang="en-SG" smtClean="0"/>
               <a:pPr/>
-              <a:t>12/4/2019</a:t>
+              <a:t>15/4/2019</a:t>
             </a:fld>
             <a:endParaRPr lang="en-SG" dirty="0"/>
           </a:p>
@@ -2181,7 +2181,7 @@
             <a:fld id="{E03380C4-F1D8-4404-82A1-426FFD458098}" type="datetimeFigureOut">
               <a:rPr lang="en-SG" smtClean="0"/>
               <a:pPr/>
-              <a:t>12/4/2019</a:t>
+              <a:t>15/4/2019</a:t>
             </a:fld>
             <a:endParaRPr lang="en-SG" dirty="0"/>
           </a:p>
@@ -2296,7 +2296,7 @@
             <a:fld id="{E03380C4-F1D8-4404-82A1-426FFD458098}" type="datetimeFigureOut">
               <a:rPr lang="en-SG" smtClean="0"/>
               <a:pPr/>
-              <a:t>12/4/2019</a:t>
+              <a:t>15/4/2019</a:t>
             </a:fld>
             <a:endParaRPr lang="en-SG" dirty="0"/>
           </a:p>
@@ -2388,7 +2388,7 @@
             <a:fld id="{E03380C4-F1D8-4404-82A1-426FFD458098}" type="datetimeFigureOut">
               <a:rPr lang="en-SG" smtClean="0"/>
               <a:pPr/>
-              <a:t>12/4/2019</a:t>
+              <a:t>15/4/2019</a:t>
             </a:fld>
             <a:endParaRPr lang="en-SG" dirty="0"/>
           </a:p>
@@ -2662,7 +2662,7 @@
             <a:fld id="{E03380C4-F1D8-4404-82A1-426FFD458098}" type="datetimeFigureOut">
               <a:rPr lang="en-SG" smtClean="0"/>
               <a:pPr/>
-              <a:t>12/4/2019</a:t>
+              <a:t>15/4/2019</a:t>
             </a:fld>
             <a:endParaRPr lang="en-SG" dirty="0"/>
           </a:p>
@@ -2912,7 +2912,7 @@
             <a:fld id="{E03380C4-F1D8-4404-82A1-426FFD458098}" type="datetimeFigureOut">
               <a:rPr lang="en-SG" smtClean="0"/>
               <a:pPr/>
-              <a:t>12/4/2019</a:t>
+              <a:t>15/4/2019</a:t>
             </a:fld>
             <a:endParaRPr lang="en-SG" dirty="0"/>
           </a:p>
@@ -3122,7 +3122,7 @@
             <a:fld id="{E03380C4-F1D8-4404-82A1-426FFD458098}" type="datetimeFigureOut">
               <a:rPr lang="en-SG" smtClean="0"/>
               <a:pPr/>
-              <a:t>12/4/2019</a:t>
+              <a:t>15/4/2019</a:t>
             </a:fld>
             <a:endParaRPr lang="en-SG" dirty="0"/>
           </a:p>
@@ -4002,8 +4002,8 @@
         </p:nvSpPr>
         <p:spPr>
           <a:xfrm>
-            <a:off x="4076452" y="5445224"/>
-            <a:ext cx="1224136" cy="335427"/>
+            <a:off x="4076452" y="5229200"/>
+            <a:ext cx="1224136" cy="551451"/>
           </a:xfrm>
           <a:prstGeom prst="rect">
             <a:avLst/>
@@ -4043,7 +4043,7 @@
                   <a:schemeClr val="bg1"/>
                 </a:solidFill>
               </a:rPr>
-              <a:t>gt:GradTrak</a:t>
+              <a:t>gt:ReadOnlyGradTrak</a:t>
             </a:r>
             <a:endParaRPr lang="en-SG" sz="1600" dirty="0">
               <a:solidFill>
@@ -4299,7 +4299,7 @@
           <p:cNvPr id="39" name="Straight Connector 38">
             <a:extLst>
               <a:ext uri="{FF2B5EF4-FFF2-40B4-BE49-F238E27FC236}">
-                <a16:creationId xmlns:a16="http://schemas.microsoft.com/office/drawing/2014/main" xmlns="" id="{E4E1C8CA-49DF-45D8-80A5-D5C8282EE927}"/>
+                <a16:creationId xmlns="" xmlns:a16="http://schemas.microsoft.com/office/drawing/2014/main" id="{E4E1C8CA-49DF-45D8-80A5-D5C8282EE927}"/>
               </a:ext>
             </a:extLst>
           </p:cNvPr>
@@ -4382,7 +4382,7 @@
           <p:cNvPr id="43" name="Straight Arrow Connector 42">
             <a:extLst>
               <a:ext uri="{FF2B5EF4-FFF2-40B4-BE49-F238E27FC236}">
-                <a16:creationId xmlns:a16="http://schemas.microsoft.com/office/drawing/2014/main" xmlns="" id="{7C9F21BC-13A9-471F-825A-2621FD36355F}"/>
+                <a16:creationId xmlns="" xmlns:a16="http://schemas.microsoft.com/office/drawing/2014/main" id="{7C9F21BC-13A9-471F-825A-2621FD36355F}"/>
               </a:ext>
             </a:extLst>
           </p:cNvPr>
@@ -4428,7 +4428,7 @@
           <p:cNvPr id="44" name="Straight Arrow Connector 43">
             <a:extLst>
               <a:ext uri="{FF2B5EF4-FFF2-40B4-BE49-F238E27FC236}">
-                <a16:creationId xmlns:a16="http://schemas.microsoft.com/office/drawing/2014/main" xmlns="" id="{7C9F21BC-13A9-471F-825A-2621FD36355F}"/>
+                <a16:creationId xmlns="" xmlns:a16="http://schemas.microsoft.com/office/drawing/2014/main" id="{7C9F21BC-13A9-471F-825A-2621FD36355F}"/>
               </a:ext>
             </a:extLst>
           </p:cNvPr>
@@ -4814,7 +4814,7 @@
           <p:cNvPr id="71" name="Straight Arrow Connector 70">
             <a:extLst>
               <a:ext uri="{FF2B5EF4-FFF2-40B4-BE49-F238E27FC236}">
-                <a16:creationId xmlns:a16="http://schemas.microsoft.com/office/drawing/2014/main" xmlns="" id="{7C9F21BC-13A9-471F-825A-2621FD36355F}"/>
+                <a16:creationId xmlns="" xmlns:a16="http://schemas.microsoft.com/office/drawing/2014/main" id="{7C9F21BC-13A9-471F-825A-2621FD36355F}"/>
               </a:ext>
             </a:extLst>
           </p:cNvPr>
@@ -4979,7 +4979,7 @@
           <p:cNvPr id="75" name="Straight Connector 74">
             <a:extLst>
               <a:ext uri="{FF2B5EF4-FFF2-40B4-BE49-F238E27FC236}">
-                <a16:creationId xmlns:a16="http://schemas.microsoft.com/office/drawing/2014/main" xmlns="" id="{E4E1C8CA-49DF-45D8-80A5-D5C8282EE927}"/>
+                <a16:creationId xmlns="" xmlns:a16="http://schemas.microsoft.com/office/drawing/2014/main" id="{E4E1C8CA-49DF-45D8-80A5-D5C8282EE927}"/>
               </a:ext>
             </a:extLst>
           </p:cNvPr>
@@ -5158,7 +5158,7 @@
           <p:cNvPr id="82" name="Straight Arrow Connector 81">
             <a:extLst>
               <a:ext uri="{FF2B5EF4-FFF2-40B4-BE49-F238E27FC236}">
-                <a16:creationId xmlns:a16="http://schemas.microsoft.com/office/drawing/2014/main" xmlns="" id="{7C9F21BC-13A9-471F-825A-2621FD36355F}"/>
+                <a16:creationId xmlns="" xmlns:a16="http://schemas.microsoft.com/office/drawing/2014/main" id="{7C9F21BC-13A9-471F-825A-2621FD36355F}"/>
               </a:ext>
             </a:extLst>
           </p:cNvPr>
@@ -5436,7 +5436,7 @@
           <p:cNvPr id="98" name="Straight Arrow Connector 97">
             <a:extLst>
               <a:ext uri="{FF2B5EF4-FFF2-40B4-BE49-F238E27FC236}">
-                <a16:creationId xmlns:a16="http://schemas.microsoft.com/office/drawing/2014/main" xmlns="" id="{7C9F21BC-13A9-471F-825A-2621FD36355F}"/>
+                <a16:creationId xmlns="" xmlns:a16="http://schemas.microsoft.com/office/drawing/2014/main" id="{7C9F21BC-13A9-471F-825A-2621FD36355F}"/>
               </a:ext>
             </a:extLst>
           </p:cNvPr>
@@ -5482,7 +5482,7 @@
           <p:cNvPr id="100" name="Straight Arrow Connector 99">
             <a:extLst>
               <a:ext uri="{FF2B5EF4-FFF2-40B4-BE49-F238E27FC236}">
-                <a16:creationId xmlns:a16="http://schemas.microsoft.com/office/drawing/2014/main" xmlns="" id="{7C9F21BC-13A9-471F-825A-2621FD36355F}"/>
+                <a16:creationId xmlns="" xmlns:a16="http://schemas.microsoft.com/office/drawing/2014/main" id="{7C9F21BC-13A9-471F-825A-2621FD36355F}"/>
               </a:ext>
             </a:extLst>
           </p:cNvPr>
@@ -5685,7 +5685,7 @@
           <p:cNvPr id="54" name="Straight Connector 53">
             <a:extLst>
               <a:ext uri="{FF2B5EF4-FFF2-40B4-BE49-F238E27FC236}">
-                <a16:creationId xmlns:a16="http://schemas.microsoft.com/office/drawing/2014/main" xmlns="" id="{E4E1C8CA-49DF-45D8-80A5-D5C8282EE927}"/>
+                <a16:creationId xmlns="" xmlns:a16="http://schemas.microsoft.com/office/drawing/2014/main" id="{E4E1C8CA-49DF-45D8-80A5-D5C8282EE927}"/>
               </a:ext>
             </a:extLst>
           </p:cNvPr>
@@ -5864,7 +5864,7 @@
           <p:cNvPr id="72" name="Straight Arrow Connector 71">
             <a:extLst>
               <a:ext uri="{FF2B5EF4-FFF2-40B4-BE49-F238E27FC236}">
-                <a16:creationId xmlns:a16="http://schemas.microsoft.com/office/drawing/2014/main" xmlns="" id="{7C9F21BC-13A9-471F-825A-2621FD36355F}"/>
+                <a16:creationId xmlns="" xmlns:a16="http://schemas.microsoft.com/office/drawing/2014/main" id="{7C9F21BC-13A9-471F-825A-2621FD36355F}"/>
               </a:ext>
             </a:extLst>
           </p:cNvPr>
@@ -6044,7 +6044,7 @@
           <p:cNvPr id="90" name="Straight Arrow Connector 89">
             <a:extLst>
               <a:ext uri="{FF2B5EF4-FFF2-40B4-BE49-F238E27FC236}">
-                <a16:creationId xmlns:a16="http://schemas.microsoft.com/office/drawing/2014/main" xmlns="" id="{7C9F21BC-13A9-471F-825A-2621FD36355F}"/>
+                <a16:creationId xmlns="" xmlns:a16="http://schemas.microsoft.com/office/drawing/2014/main" id="{7C9F21BC-13A9-471F-825A-2621FD36355F}"/>
               </a:ext>
             </a:extLst>
           </p:cNvPr>
@@ -6420,7 +6420,7 @@
           <p:cNvPr id="126" name="Straight Arrow Connector 125">
             <a:extLst>
               <a:ext uri="{FF2B5EF4-FFF2-40B4-BE49-F238E27FC236}">
-                <a16:creationId xmlns:a16="http://schemas.microsoft.com/office/drawing/2014/main" xmlns="" id="{7C9F21BC-13A9-471F-825A-2621FD36355F}"/>
+                <a16:creationId xmlns="" xmlns:a16="http://schemas.microsoft.com/office/drawing/2014/main" id="{7C9F21BC-13A9-471F-825A-2621FD36355F}"/>
               </a:ext>
             </a:extLst>
           </p:cNvPr>
@@ -6709,15 +6709,7 @@
                   <a:srgbClr val="7030A0"/>
                 </a:solidFill>
               </a:rPr>
-              <a:t>getCode</a:t>
-            </a:r>
-            <a:r>
-              <a:rPr lang="en-US" sz="1200" dirty="0" smtClean="0">
-                <a:solidFill>
-                  <a:srgbClr val="7030A0"/>
-                </a:solidFill>
-              </a:rPr>
-              <a:t>()</a:t>
+              <a:t>getCode()</a:t>
             </a:r>
             <a:endParaRPr lang="en-US" sz="1200" dirty="0">
               <a:solidFill>
@@ -6732,7 +6724,7 @@
           <p:cNvPr id="105" name="Straight Arrow Connector 104">
             <a:extLst>
               <a:ext uri="{FF2B5EF4-FFF2-40B4-BE49-F238E27FC236}">
-                <a16:creationId xmlns:a16="http://schemas.microsoft.com/office/drawing/2014/main" xmlns="" id="{7C9F21BC-13A9-471F-825A-2621FD36355F}"/>
+                <a16:creationId xmlns="" xmlns:a16="http://schemas.microsoft.com/office/drawing/2014/main" id="{7C9F21BC-13A9-471F-825A-2621FD36355F}"/>
               </a:ext>
             </a:extLst>
           </p:cNvPr>
